--- a/1차 웹프로젝트/파일들/역할자 구성.pptx
+++ b/1차 웹프로젝트/파일들/역할자 구성.pptx
@@ -6,6 +6,7 @@
   </p:sldMasterIdLst>
   <p:sldIdLst>
     <p:sldId id="258" r:id="rId2"/>
+    <p:sldId id="259" r:id="rId3"/>
   </p:sldIdLst>
   <p:sldSz cx="12192000" cy="6858000"/>
   <p:notesSz cx="6858000" cy="9144000"/>
@@ -259,7 +260,7 @@
           <a:p>
             <a:fld id="{91467ED9-FC65-4A69-89CB-0B191AB49D4D}" type="datetimeFigureOut">
               <a:rPr lang="ko-KR" altLang="en-US" smtClean="0"/>
-              <a:t>2023-01-26</a:t>
+              <a:t>2023-01-30</a:t>
             </a:fld>
             <a:endParaRPr lang="ko-KR" altLang="en-US"/>
           </a:p>
@@ -457,7 +458,7 @@
           <a:p>
             <a:fld id="{91467ED9-FC65-4A69-89CB-0B191AB49D4D}" type="datetimeFigureOut">
               <a:rPr lang="ko-KR" altLang="en-US" smtClean="0"/>
-              <a:t>2023-01-26</a:t>
+              <a:t>2023-01-30</a:t>
             </a:fld>
             <a:endParaRPr lang="ko-KR" altLang="en-US"/>
           </a:p>
@@ -665,7 +666,7 @@
           <a:p>
             <a:fld id="{91467ED9-FC65-4A69-89CB-0B191AB49D4D}" type="datetimeFigureOut">
               <a:rPr lang="ko-KR" altLang="en-US" smtClean="0"/>
-              <a:t>2023-01-26</a:t>
+              <a:t>2023-01-30</a:t>
             </a:fld>
             <a:endParaRPr lang="ko-KR" altLang="en-US"/>
           </a:p>
@@ -863,7 +864,7 @@
           <a:p>
             <a:fld id="{91467ED9-FC65-4A69-89CB-0B191AB49D4D}" type="datetimeFigureOut">
               <a:rPr lang="ko-KR" altLang="en-US" smtClean="0"/>
-              <a:t>2023-01-26</a:t>
+              <a:t>2023-01-30</a:t>
             </a:fld>
             <a:endParaRPr lang="ko-KR" altLang="en-US"/>
           </a:p>
@@ -1138,7 +1139,7 @@
           <a:p>
             <a:fld id="{91467ED9-FC65-4A69-89CB-0B191AB49D4D}" type="datetimeFigureOut">
               <a:rPr lang="ko-KR" altLang="en-US" smtClean="0"/>
-              <a:t>2023-01-26</a:t>
+              <a:t>2023-01-30</a:t>
             </a:fld>
             <a:endParaRPr lang="ko-KR" altLang="en-US"/>
           </a:p>
@@ -1403,7 +1404,7 @@
           <a:p>
             <a:fld id="{91467ED9-FC65-4A69-89CB-0B191AB49D4D}" type="datetimeFigureOut">
               <a:rPr lang="ko-KR" altLang="en-US" smtClean="0"/>
-              <a:t>2023-01-26</a:t>
+              <a:t>2023-01-30</a:t>
             </a:fld>
             <a:endParaRPr lang="ko-KR" altLang="en-US"/>
           </a:p>
@@ -1815,7 +1816,7 @@
           <a:p>
             <a:fld id="{91467ED9-FC65-4A69-89CB-0B191AB49D4D}" type="datetimeFigureOut">
               <a:rPr lang="ko-KR" altLang="en-US" smtClean="0"/>
-              <a:t>2023-01-26</a:t>
+              <a:t>2023-01-30</a:t>
             </a:fld>
             <a:endParaRPr lang="ko-KR" altLang="en-US"/>
           </a:p>
@@ -1956,7 +1957,7 @@
           <a:p>
             <a:fld id="{91467ED9-FC65-4A69-89CB-0B191AB49D4D}" type="datetimeFigureOut">
               <a:rPr lang="ko-KR" altLang="en-US" smtClean="0"/>
-              <a:t>2023-01-26</a:t>
+              <a:t>2023-01-30</a:t>
             </a:fld>
             <a:endParaRPr lang="ko-KR" altLang="en-US"/>
           </a:p>
@@ -2069,7 +2070,7 @@
           <a:p>
             <a:fld id="{91467ED9-FC65-4A69-89CB-0B191AB49D4D}" type="datetimeFigureOut">
               <a:rPr lang="ko-KR" altLang="en-US" smtClean="0"/>
-              <a:t>2023-01-26</a:t>
+              <a:t>2023-01-30</a:t>
             </a:fld>
             <a:endParaRPr lang="ko-KR" altLang="en-US"/>
           </a:p>
@@ -2380,7 +2381,7 @@
           <a:p>
             <a:fld id="{91467ED9-FC65-4A69-89CB-0B191AB49D4D}" type="datetimeFigureOut">
               <a:rPr lang="ko-KR" altLang="en-US" smtClean="0"/>
-              <a:t>2023-01-26</a:t>
+              <a:t>2023-01-30</a:t>
             </a:fld>
             <a:endParaRPr lang="ko-KR" altLang="en-US"/>
           </a:p>
@@ -2668,7 +2669,7 @@
           <a:p>
             <a:fld id="{91467ED9-FC65-4A69-89CB-0B191AB49D4D}" type="datetimeFigureOut">
               <a:rPr lang="ko-KR" altLang="en-US" smtClean="0"/>
-              <a:t>2023-01-26</a:t>
+              <a:t>2023-01-30</a:t>
             </a:fld>
             <a:endParaRPr lang="ko-KR" altLang="en-US"/>
           </a:p>
@@ -2909,7 +2910,7 @@
           <a:p>
             <a:fld id="{91467ED9-FC65-4A69-89CB-0B191AB49D4D}" type="datetimeFigureOut">
               <a:rPr lang="ko-KR" altLang="en-US" smtClean="0"/>
-              <a:t>2023-01-26</a:t>
+              <a:t>2023-01-30</a:t>
             </a:fld>
             <a:endParaRPr lang="ko-KR" altLang="en-US"/>
           </a:p>
@@ -3860,6 +3861,380 @@
 </p:sld>
 </file>
 
+<file path=ppt/slides/slide2.xml><?xml version="1.0" encoding="utf-8"?>
+<p:sld xmlns:a="http://schemas.openxmlformats.org/drawingml/2006/main" xmlns:r="http://schemas.openxmlformats.org/officeDocument/2006/relationships" xmlns:p="http://schemas.openxmlformats.org/presentationml/2006/main">
+  <p:cSld>
+    <p:spTree>
+      <p:nvGrpSpPr>
+        <p:cNvPr id="1" name=""/>
+        <p:cNvGrpSpPr/>
+        <p:nvPr/>
+      </p:nvGrpSpPr>
+      <p:grpSpPr>
+        <a:xfrm>
+          <a:off x="0" y="0"/>
+          <a:ext cx="0" cy="0"/>
+          <a:chOff x="0" y="0"/>
+          <a:chExt cx="0" cy="0"/>
+        </a:xfrm>
+      </p:grpSpPr>
+      <p:sp>
+        <p:nvSpPr>
+          <p:cNvPr id="2" name="타원 1">
+            <a:extLst>
+              <a:ext uri="{FF2B5EF4-FFF2-40B4-BE49-F238E27FC236}">
+                <a16:creationId xmlns:a16="http://schemas.microsoft.com/office/drawing/2014/main" id="{0DF1B4ED-CC94-82AF-608A-B9A02B10DA6F}"/>
+              </a:ext>
+            </a:extLst>
+          </p:cNvPr>
+          <p:cNvSpPr/>
+          <p:nvPr/>
+        </p:nvSpPr>
+        <p:spPr>
+          <a:xfrm>
+            <a:off x="181069" y="957403"/>
+            <a:ext cx="1919335" cy="1665838"/>
+          </a:xfrm>
+          <a:prstGeom prst="ellipse">
+            <a:avLst/>
+          </a:prstGeom>
+        </p:spPr>
+        <p:style>
+          <a:lnRef idx="2">
+            <a:schemeClr val="accent1">
+              <a:shade val="50000"/>
+            </a:schemeClr>
+          </a:lnRef>
+          <a:fillRef idx="1">
+            <a:schemeClr val="accent1"/>
+          </a:fillRef>
+          <a:effectRef idx="0">
+            <a:schemeClr val="accent1"/>
+          </a:effectRef>
+          <a:fontRef idx="minor">
+            <a:schemeClr val="lt1"/>
+          </a:fontRef>
+        </p:style>
+        <p:txBody>
+          <a:bodyPr rtlCol="0" anchor="ctr"/>
+          <a:lstStyle/>
+          <a:p>
+            <a:pPr algn="ctr"/>
+            <a:r>
+              <a:rPr lang="ko-KR" altLang="en-US" dirty="0"/>
+              <a:t>회원</a:t>
+            </a:r>
+            <a:endParaRPr lang="en-US" altLang="ko-KR" dirty="0"/>
+          </a:p>
+        </p:txBody>
+      </p:sp>
+      <p:sp>
+        <p:nvSpPr>
+          <p:cNvPr id="3" name="타원 2">
+            <a:extLst>
+              <a:ext uri="{FF2B5EF4-FFF2-40B4-BE49-F238E27FC236}">
+                <a16:creationId xmlns:a16="http://schemas.microsoft.com/office/drawing/2014/main" id="{7ABC055C-794E-6F59-A03B-007CDF6B610E}"/>
+              </a:ext>
+            </a:extLst>
+          </p:cNvPr>
+          <p:cNvSpPr/>
+          <p:nvPr/>
+        </p:nvSpPr>
+        <p:spPr>
+          <a:xfrm>
+            <a:off x="206721" y="4427143"/>
+            <a:ext cx="1919335" cy="1665838"/>
+          </a:xfrm>
+          <a:prstGeom prst="ellipse">
+            <a:avLst/>
+          </a:prstGeom>
+        </p:spPr>
+        <p:style>
+          <a:lnRef idx="2">
+            <a:schemeClr val="accent6">
+              <a:shade val="50000"/>
+            </a:schemeClr>
+          </a:lnRef>
+          <a:fillRef idx="1">
+            <a:schemeClr val="accent6"/>
+          </a:fillRef>
+          <a:effectRef idx="0">
+            <a:schemeClr val="accent6"/>
+          </a:effectRef>
+          <a:fontRef idx="minor">
+            <a:schemeClr val="lt1"/>
+          </a:fontRef>
+        </p:style>
+        <p:txBody>
+          <a:bodyPr rtlCol="0" anchor="ctr"/>
+          <a:lstStyle/>
+          <a:p>
+            <a:pPr algn="ctr"/>
+            <a:r>
+              <a:rPr lang="ko-KR" altLang="en-US" dirty="0"/>
+              <a:t>사용자</a:t>
+            </a:r>
+            <a:endParaRPr lang="en-US" altLang="ko-KR" dirty="0"/>
+          </a:p>
+          <a:p>
+            <a:pPr algn="ctr"/>
+            <a:r>
+              <a:rPr lang="en-US" altLang="ko-KR" dirty="0"/>
+              <a:t>(</a:t>
+            </a:r>
+            <a:r>
+              <a:rPr lang="ko-KR" altLang="en-US" dirty="0"/>
+              <a:t>일반 방문객</a:t>
+            </a:r>
+            <a:r>
+              <a:rPr lang="en-US" altLang="ko-KR" dirty="0"/>
+              <a:t>)</a:t>
+            </a:r>
+            <a:endParaRPr lang="ko-KR" altLang="en-US" dirty="0"/>
+          </a:p>
+        </p:txBody>
+      </p:sp>
+      <p:sp>
+        <p:nvSpPr>
+          <p:cNvPr id="4" name="타원 3">
+            <a:extLst>
+              <a:ext uri="{FF2B5EF4-FFF2-40B4-BE49-F238E27FC236}">
+                <a16:creationId xmlns:a16="http://schemas.microsoft.com/office/drawing/2014/main" id="{EC3A7DFE-D4CE-402E-BE1C-0ABE91787874}"/>
+              </a:ext>
+            </a:extLst>
+          </p:cNvPr>
+          <p:cNvSpPr/>
+          <p:nvPr/>
+        </p:nvSpPr>
+        <p:spPr>
+          <a:xfrm>
+            <a:off x="10091596" y="1158842"/>
+            <a:ext cx="1919335" cy="1665838"/>
+          </a:xfrm>
+          <a:prstGeom prst="ellipse">
+            <a:avLst/>
+          </a:prstGeom>
+        </p:spPr>
+        <p:style>
+          <a:lnRef idx="2">
+            <a:schemeClr val="accent2">
+              <a:shade val="50000"/>
+            </a:schemeClr>
+          </a:lnRef>
+          <a:fillRef idx="1">
+            <a:schemeClr val="accent2"/>
+          </a:fillRef>
+          <a:effectRef idx="0">
+            <a:schemeClr val="accent2"/>
+          </a:effectRef>
+          <a:fontRef idx="minor">
+            <a:schemeClr val="lt1"/>
+          </a:fontRef>
+        </p:style>
+        <p:txBody>
+          <a:bodyPr rtlCol="0" anchor="ctr"/>
+          <a:lstStyle/>
+          <a:p>
+            <a:pPr algn="ctr"/>
+            <a:r>
+              <a:rPr lang="ko-KR" altLang="en-US" dirty="0"/>
+              <a:t>관리자</a:t>
+            </a:r>
+            <a:endParaRPr lang="en-US" altLang="ko-KR" dirty="0"/>
+          </a:p>
+        </p:txBody>
+      </p:sp>
+      <p:sp>
+        <p:nvSpPr>
+          <p:cNvPr id="5" name="직사각형 4">
+            <a:extLst>
+              <a:ext uri="{FF2B5EF4-FFF2-40B4-BE49-F238E27FC236}">
+                <a16:creationId xmlns:a16="http://schemas.microsoft.com/office/drawing/2014/main" id="{6B5BCAD1-A1BA-E98C-A731-82BC4C4FDCF9}"/>
+              </a:ext>
+            </a:extLst>
+          </p:cNvPr>
+          <p:cNvSpPr/>
+          <p:nvPr/>
+        </p:nvSpPr>
+        <p:spPr>
+          <a:xfrm>
+            <a:off x="2352394" y="4164592"/>
+            <a:ext cx="3346764" cy="2190939"/>
+          </a:xfrm>
+          <a:prstGeom prst="rect">
+            <a:avLst/>
+          </a:prstGeom>
+        </p:spPr>
+        <p:style>
+          <a:lnRef idx="2">
+            <a:schemeClr val="accent6">
+              <a:shade val="50000"/>
+            </a:schemeClr>
+          </a:lnRef>
+          <a:fillRef idx="1">
+            <a:schemeClr val="accent6"/>
+          </a:fillRef>
+          <a:effectRef idx="0">
+            <a:schemeClr val="accent6"/>
+          </a:effectRef>
+          <a:fontRef idx="minor">
+            <a:schemeClr val="lt1"/>
+          </a:fontRef>
+        </p:style>
+        <p:txBody>
+          <a:bodyPr rtlCol="0" anchor="ctr"/>
+          <a:lstStyle/>
+          <a:p>
+            <a:pPr algn="ctr"/>
+            <a:r>
+              <a:rPr lang="ko-KR" altLang="en-US" dirty="0"/>
+              <a:t>로그인</a:t>
+            </a:r>
+            <a:endParaRPr lang="en-US" altLang="ko-KR" dirty="0"/>
+          </a:p>
+          <a:p>
+            <a:pPr algn="ctr"/>
+            <a:r>
+              <a:rPr lang="en-US" altLang="ko-KR" dirty="0"/>
+              <a:t>1:1 </a:t>
+            </a:r>
+            <a:r>
+              <a:rPr lang="ko-KR" altLang="en-US" dirty="0"/>
+              <a:t>문의</a:t>
+            </a:r>
+            <a:endParaRPr lang="en-US" altLang="ko-KR" dirty="0"/>
+          </a:p>
+          <a:p>
+            <a:pPr algn="ctr"/>
+            <a:r>
+              <a:rPr lang="ko-KR" altLang="en-US" dirty="0"/>
+              <a:t>회원가입</a:t>
+            </a:r>
+            <a:endParaRPr lang="en-US" altLang="ko-KR" dirty="0"/>
+          </a:p>
+        </p:txBody>
+      </p:sp>
+      <p:sp>
+        <p:nvSpPr>
+          <p:cNvPr id="6" name="직사각형 5">
+            <a:extLst>
+              <a:ext uri="{FF2B5EF4-FFF2-40B4-BE49-F238E27FC236}">
+                <a16:creationId xmlns:a16="http://schemas.microsoft.com/office/drawing/2014/main" id="{045D6B83-CAB2-2B61-365B-CAE2B5061F10}"/>
+              </a:ext>
+            </a:extLst>
+          </p:cNvPr>
+          <p:cNvSpPr/>
+          <p:nvPr/>
+        </p:nvSpPr>
+        <p:spPr>
+          <a:xfrm>
+            <a:off x="2352394" y="724277"/>
+            <a:ext cx="3346764" cy="2534970"/>
+          </a:xfrm>
+          <a:prstGeom prst="rect">
+            <a:avLst/>
+          </a:prstGeom>
+        </p:spPr>
+        <p:style>
+          <a:lnRef idx="2">
+            <a:schemeClr val="accent1">
+              <a:shade val="50000"/>
+            </a:schemeClr>
+          </a:lnRef>
+          <a:fillRef idx="1">
+            <a:schemeClr val="accent1"/>
+          </a:fillRef>
+          <a:effectRef idx="0">
+            <a:schemeClr val="accent1"/>
+          </a:effectRef>
+          <a:fontRef idx="minor">
+            <a:schemeClr val="lt1"/>
+          </a:fontRef>
+        </p:style>
+        <p:txBody>
+          <a:bodyPr rtlCol="0" anchor="ctr"/>
+          <a:lstStyle/>
+          <a:p>
+            <a:pPr algn="ctr"/>
+            <a:r>
+              <a:rPr lang="ko-KR" altLang="en-US" dirty="0"/>
+              <a:t>개인정보 수정</a:t>
+            </a:r>
+            <a:endParaRPr lang="en-US" altLang="ko-KR" dirty="0"/>
+          </a:p>
+          <a:p>
+            <a:pPr algn="ctr"/>
+            <a:r>
+              <a:rPr lang="ko-KR" altLang="en-US" dirty="0"/>
+              <a:t>일기 작성</a:t>
+            </a:r>
+            <a:endParaRPr lang="en-US" altLang="ko-KR" dirty="0"/>
+          </a:p>
+        </p:txBody>
+      </p:sp>
+      <p:sp>
+        <p:nvSpPr>
+          <p:cNvPr id="7" name="직사각형 6">
+            <a:extLst>
+              <a:ext uri="{FF2B5EF4-FFF2-40B4-BE49-F238E27FC236}">
+                <a16:creationId xmlns:a16="http://schemas.microsoft.com/office/drawing/2014/main" id="{52C91055-19F2-DF14-598C-7754DAE655FF}"/>
+              </a:ext>
+            </a:extLst>
+          </p:cNvPr>
+          <p:cNvSpPr/>
+          <p:nvPr/>
+        </p:nvSpPr>
+        <p:spPr>
+          <a:xfrm>
+            <a:off x="6492842" y="711267"/>
+            <a:ext cx="3346764" cy="2534970"/>
+          </a:xfrm>
+          <a:prstGeom prst="rect">
+            <a:avLst/>
+          </a:prstGeom>
+        </p:spPr>
+        <p:style>
+          <a:lnRef idx="2">
+            <a:schemeClr val="accent2">
+              <a:shade val="50000"/>
+            </a:schemeClr>
+          </a:lnRef>
+          <a:fillRef idx="1">
+            <a:schemeClr val="accent2"/>
+          </a:fillRef>
+          <a:effectRef idx="0">
+            <a:schemeClr val="accent2"/>
+          </a:effectRef>
+          <a:fontRef idx="minor">
+            <a:schemeClr val="lt1"/>
+          </a:fontRef>
+        </p:style>
+        <p:txBody>
+          <a:bodyPr rtlCol="0" anchor="ctr"/>
+          <a:lstStyle/>
+          <a:p>
+            <a:pPr algn="ctr"/>
+            <a:r>
+              <a:rPr lang="ko-KR" altLang="en-US" dirty="0"/>
+              <a:t>공지사항</a:t>
+            </a:r>
+            <a:endParaRPr lang="en-US" altLang="ko-KR" dirty="0"/>
+          </a:p>
+        </p:txBody>
+      </p:sp>
+    </p:spTree>
+    <p:extLst>
+      <p:ext uri="{BB962C8B-B14F-4D97-AF65-F5344CB8AC3E}">
+        <p14:creationId xmlns:p14="http://schemas.microsoft.com/office/powerpoint/2010/main" val="3309599637"/>
+      </p:ext>
+    </p:extLst>
+  </p:cSld>
+  <p:clrMapOvr>
+    <a:masterClrMapping/>
+  </p:clrMapOvr>
+</p:sld>
+</file>
+
 <file path=ppt/theme/theme1.xml><?xml version="1.0" encoding="utf-8"?>
 <a:theme xmlns:a="http://schemas.openxmlformats.org/drawingml/2006/main" name="Office 테마">
   <a:themeElements>
